--- a/Rishabh Tripathi Associate Consultant KPMG - v5 - Lighthouse.pptx
+++ b/Rishabh Tripathi Associate Consultant KPMG - v5 - Lighthouse.pptx
@@ -282,6 +282,46 @@
             <pc:docMk/>
             <pc:sldMk cId="2977925796" sldId="785"/>
             <ac:picMk id="10" creationId="{50B2815D-1F3E-3D77-9D36-62B9BE90B04D}"/>
+          </ac:picMkLst>
+        </pc:picChg>
+      </pc:sldChg>
+    </pc:docChg>
+  </pc:docChgLst>
+  <pc:docChgLst>
+    <pc:chgData name="Tripathi, Rishabh" userId="cfd79da9-aac0-444e-a4e2-aab20ab3edcd" providerId="ADAL" clId="{073F2D91-6EC8-44BA-9202-C15087CC0951}"/>
+    <pc:docChg chg="custSel modSld">
+      <pc:chgData name="Tripathi, Rishabh" userId="cfd79da9-aac0-444e-a4e2-aab20ab3edcd" providerId="ADAL" clId="{073F2D91-6EC8-44BA-9202-C15087CC0951}" dt="2022-05-10T12:08:14.435" v="390" actId="5793"/>
+      <pc:docMkLst>
+        <pc:docMk/>
+      </pc:docMkLst>
+      <pc:sldChg chg="modSp mod">
+        <pc:chgData name="Tripathi, Rishabh" userId="cfd79da9-aac0-444e-a4e2-aab20ab3edcd" providerId="ADAL" clId="{073F2D91-6EC8-44BA-9202-C15087CC0951}" dt="2022-05-10T12:08:14.435" v="390" actId="5793"/>
+        <pc:sldMkLst>
+          <pc:docMk/>
+          <pc:sldMk cId="2977925796" sldId="785"/>
+        </pc:sldMkLst>
+        <pc:spChg chg="mod">
+          <ac:chgData name="Tripathi, Rishabh" userId="cfd79da9-aac0-444e-a4e2-aab20ab3edcd" providerId="ADAL" clId="{073F2D91-6EC8-44BA-9202-C15087CC0951}" dt="2022-05-10T12:08:14.435" v="390" actId="5793"/>
+          <ac:spMkLst>
+            <pc:docMk/>
+            <pc:sldMk cId="2977925796" sldId="785"/>
+            <ac:spMk id="18" creationId="{00000000-0000-0000-0000-000000000000}"/>
+          </ac:spMkLst>
+        </pc:spChg>
+        <pc:spChg chg="mod">
+          <ac:chgData name="Tripathi, Rishabh" userId="cfd79da9-aac0-444e-a4e2-aab20ab3edcd" providerId="ADAL" clId="{073F2D91-6EC8-44BA-9202-C15087CC0951}" dt="2022-05-10T12:02:23.337" v="224" actId="20577"/>
+          <ac:spMkLst>
+            <pc:docMk/>
+            <pc:sldMk cId="2977925796" sldId="785"/>
+            <ac:spMk id="19" creationId="{00000000-0000-0000-0000-000000000000}"/>
+          </ac:spMkLst>
+        </pc:spChg>
+        <pc:picChg chg="mod">
+          <ac:chgData name="Tripathi, Rishabh" userId="cfd79da9-aac0-444e-a4e2-aab20ab3edcd" providerId="ADAL" clId="{073F2D91-6EC8-44BA-9202-C15087CC0951}" dt="2022-05-10T12:07:54.427" v="387" actId="14100"/>
+          <ac:picMkLst>
+            <pc:docMk/>
+            <pc:sldMk cId="2977925796" sldId="785"/>
+            <ac:picMk id="8" creationId="{FD7E4F3C-EB18-4F50-B53A-DA5DB56EE375}"/>
           </ac:picMkLst>
         </pc:picChg>
       </pc:sldChg>
@@ -1160,46 +1200,6 @@
       </pc:sldMasterChg>
     </pc:docChg>
   </pc:docChgLst>
-  <pc:docChgLst>
-    <pc:chgData name="Tripathi, Rishabh" userId="cfd79da9-aac0-444e-a4e2-aab20ab3edcd" providerId="ADAL" clId="{073F2D91-6EC8-44BA-9202-C15087CC0951}"/>
-    <pc:docChg chg="custSel modSld">
-      <pc:chgData name="Tripathi, Rishabh" userId="cfd79da9-aac0-444e-a4e2-aab20ab3edcd" providerId="ADAL" clId="{073F2D91-6EC8-44BA-9202-C15087CC0951}" dt="2022-05-10T12:08:14.435" v="390" actId="5793"/>
-      <pc:docMkLst>
-        <pc:docMk/>
-      </pc:docMkLst>
-      <pc:sldChg chg="modSp mod">
-        <pc:chgData name="Tripathi, Rishabh" userId="cfd79da9-aac0-444e-a4e2-aab20ab3edcd" providerId="ADAL" clId="{073F2D91-6EC8-44BA-9202-C15087CC0951}" dt="2022-05-10T12:08:14.435" v="390" actId="5793"/>
-        <pc:sldMkLst>
-          <pc:docMk/>
-          <pc:sldMk cId="2977925796" sldId="785"/>
-        </pc:sldMkLst>
-        <pc:spChg chg="mod">
-          <ac:chgData name="Tripathi, Rishabh" userId="cfd79da9-aac0-444e-a4e2-aab20ab3edcd" providerId="ADAL" clId="{073F2D91-6EC8-44BA-9202-C15087CC0951}" dt="2022-05-10T12:08:14.435" v="390" actId="5793"/>
-          <ac:spMkLst>
-            <pc:docMk/>
-            <pc:sldMk cId="2977925796" sldId="785"/>
-            <ac:spMk id="18" creationId="{00000000-0000-0000-0000-000000000000}"/>
-          </ac:spMkLst>
-        </pc:spChg>
-        <pc:spChg chg="mod">
-          <ac:chgData name="Tripathi, Rishabh" userId="cfd79da9-aac0-444e-a4e2-aab20ab3edcd" providerId="ADAL" clId="{073F2D91-6EC8-44BA-9202-C15087CC0951}" dt="2022-05-10T12:02:23.337" v="224" actId="20577"/>
-          <ac:spMkLst>
-            <pc:docMk/>
-            <pc:sldMk cId="2977925796" sldId="785"/>
-            <ac:spMk id="19" creationId="{00000000-0000-0000-0000-000000000000}"/>
-          </ac:spMkLst>
-        </pc:spChg>
-        <pc:picChg chg="mod">
-          <ac:chgData name="Tripathi, Rishabh" userId="cfd79da9-aac0-444e-a4e2-aab20ab3edcd" providerId="ADAL" clId="{073F2D91-6EC8-44BA-9202-C15087CC0951}" dt="2022-05-10T12:07:54.427" v="387" actId="14100"/>
-          <ac:picMkLst>
-            <pc:docMk/>
-            <pc:sldMk cId="2977925796" sldId="785"/>
-            <ac:picMk id="8" creationId="{FD7E4F3C-EB18-4F50-B53A-DA5DB56EE375}"/>
-          </ac:picMkLst>
-        </pc:picChg>
-      </pc:sldChg>
-    </pc:docChg>
-  </pc:docChgLst>
 </pc:chgInfo>
 </file>
 
@@ -6770,7 +6770,7 @@
         <p:spPr>
           <a:xfrm>
             <a:off x="53665" y="2484120"/>
-            <a:ext cx="1683689" cy="6952785"/>
+            <a:ext cx="1683689" cy="7330440"/>
           </a:xfrm>
           <a:prstGeom prst="rect">
             <a:avLst/>
@@ -6798,6 +6798,45 @@
           </a:p>
           <a:p>
             <a:pPr marL="11723" defTabSz="844094">
+              <a:defRPr/>
+            </a:pPr>
+            <a:r>
+              <a:rPr lang="en-US" sz="800" b="1" kern="0" dirty="0">
+                <a:solidFill>
+                  <a:srgbClr val="0C2D83"/>
+                </a:solidFill>
+                <a:cs typeface="Calibri" panose="020F0502020204030204" pitchFamily="34" charset="0"/>
+              </a:rPr>
+              <a:t>KPMG - Digital Solutions</a:t>
+            </a:r>
+          </a:p>
+          <a:p>
+            <a:pPr marL="11723" defTabSz="844094">
+              <a:defRPr/>
+            </a:pPr>
+            <a:r>
+              <a:rPr lang="en-US" sz="800" b="1" kern="0" dirty="0">
+                <a:solidFill>
+                  <a:srgbClr val="0C2D83"/>
+                </a:solidFill>
+                <a:cs typeface="Calibri" panose="020F0502020204030204" pitchFamily="34" charset="0"/>
+              </a:rPr>
+              <a:t>July 2021 – Present</a:t>
+            </a:r>
+          </a:p>
+          <a:p>
+            <a:pPr marL="11723" defTabSz="844094">
+              <a:defRPr/>
+            </a:pPr>
+            <a:endParaRPr lang="en-US" sz="800" b="1" kern="0" dirty="0">
+              <a:solidFill>
+                <a:srgbClr val="0C2D83"/>
+              </a:solidFill>
+              <a:cs typeface="Calibri" panose="020F0502020204030204" pitchFamily="34" charset="0"/>
+            </a:endParaRPr>
+          </a:p>
+          <a:p>
+            <a:pPr marL="11723" defTabSz="844094">
               <a:lnSpc>
                 <a:spcPts val="1300"/>
               </a:lnSpc>
@@ -6941,6 +6980,30 @@
               <a:solidFill>
                 <a:sysClr val="windowText" lastClr="000000"/>
               </a:solidFill>
+              <a:cs typeface="Calibri" panose="020F0502020204030204" pitchFamily="34" charset="0"/>
+            </a:endParaRPr>
+          </a:p>
+          <a:p>
+            <a:pPr>
+              <a:defRPr/>
+            </a:pPr>
+            <a:endParaRPr lang="en-US" sz="1001" b="1" kern="0" dirty="0">
+              <a:solidFill>
+                <a:srgbClr val="00338D"/>
+              </a:solidFill>
+              <a:latin typeface="Univers for KPMG" panose="020B0603020202020204" pitchFamily="34" charset="0"/>
+              <a:cs typeface="Calibri" panose="020F0502020204030204" pitchFamily="34" charset="0"/>
+            </a:endParaRPr>
+          </a:p>
+          <a:p>
+            <a:pPr>
+              <a:defRPr/>
+            </a:pPr>
+            <a:endParaRPr lang="en-US" sz="1001" b="1" kern="0" dirty="0">
+              <a:solidFill>
+                <a:srgbClr val="00338D"/>
+              </a:solidFill>
+              <a:latin typeface="Univers for KPMG" panose="020B0603020202020204" pitchFamily="34" charset="0"/>
               <a:cs typeface="Calibri" panose="020F0502020204030204" pitchFamily="34" charset="0"/>
             </a:endParaRPr>
           </a:p>
@@ -7585,20 +7648,20 @@
       </p:pic>
       <p:pic>
         <p:nvPicPr>
-          <p:cNvPr id="6" name="Graphic 5" descr="Briefcase with solid fill">
+          <p:cNvPr id="9" name="Graphic 8" descr="Email with solid fill">
             <a:extLst>
               <a:ext uri="{FF2B5EF4-FFF2-40B4-BE49-F238E27FC236}">
-                <a16:creationId xmlns:a16="http://schemas.microsoft.com/office/drawing/2014/main" id="{F1C4FE54-79B2-CF1B-7C38-DAE636178F6D}"/>
+                <a16:creationId xmlns:a16="http://schemas.microsoft.com/office/drawing/2014/main" id="{151E5B1C-4983-8778-A335-B9AE95C4E668}"/>
               </a:ext>
             </a:extLst>
           </p:cNvPr>
           <p:cNvPicPr>
-            <a:picLocks noChangeAspect="1"/>
+            <a:picLocks/>
           </p:cNvPicPr>
           <p:nvPr/>
         </p:nvPicPr>
         <p:blipFill>
-          <a:blip r:embed="rId7">
+          <a:blip r:embed="rId7" cstate="print">
             <a:extLst>
               <a:ext uri="{28A0092B-C50C-407E-A947-70E740481C1C}">
                 <a14:useLocalDpi xmlns:a14="http://schemas.microsoft.com/office/drawing/2010/main" val="0"/>
@@ -7614,46 +7677,7 @@
         </p:blipFill>
         <p:spPr>
           <a:xfrm>
-            <a:off x="103710" y="2691924"/>
-            <a:ext cx="142985" cy="142985"/>
-          </a:xfrm>
-          <a:prstGeom prst="rect">
-            <a:avLst/>
-          </a:prstGeom>
-        </p:spPr>
-      </p:pic>
-      <p:pic>
-        <p:nvPicPr>
-          <p:cNvPr id="9" name="Graphic 8" descr="Email with solid fill">
-            <a:extLst>
-              <a:ext uri="{FF2B5EF4-FFF2-40B4-BE49-F238E27FC236}">
-                <a16:creationId xmlns:a16="http://schemas.microsoft.com/office/drawing/2014/main" id="{151E5B1C-4983-8778-A335-B9AE95C4E668}"/>
-              </a:ext>
-            </a:extLst>
-          </p:cNvPr>
-          <p:cNvPicPr>
-            <a:picLocks/>
-          </p:cNvPicPr>
-          <p:nvPr/>
-        </p:nvPicPr>
-        <p:blipFill>
-          <a:blip r:embed="rId9">
-            <a:extLst>
-              <a:ext uri="{28A0092B-C50C-407E-A947-70E740481C1C}">
-                <a14:useLocalDpi xmlns:a14="http://schemas.microsoft.com/office/drawing/2010/main" val="0"/>
-              </a:ext>
-              <a:ext uri="{96DAC541-7B7A-43D3-8B79-37D633B846F1}">
-                <asvg:svgBlip xmlns:asvg="http://schemas.microsoft.com/office/drawing/2016/SVG/main" r:embed="rId10"/>
-              </a:ext>
-            </a:extLst>
-          </a:blip>
-          <a:stretch>
-            <a:fillRect/>
-          </a:stretch>
-        </p:blipFill>
-        <p:spPr>
-          <a:xfrm>
-            <a:off x="111600" y="2883600"/>
+            <a:off x="111599" y="3247084"/>
             <a:ext cx="144000" cy="108000"/>
           </a:xfrm>
           <a:prstGeom prst="rect">
@@ -7676,13 +7700,13 @@
           <p:nvPr/>
         </p:nvPicPr>
         <p:blipFill>
-          <a:blip r:embed="rId11">
+          <a:blip r:embed="rId9" cstate="print">
             <a:extLst>
               <a:ext uri="{28A0092B-C50C-407E-A947-70E740481C1C}">
                 <a14:useLocalDpi xmlns:a14="http://schemas.microsoft.com/office/drawing/2010/main" val="0"/>
               </a:ext>
               <a:ext uri="{96DAC541-7B7A-43D3-8B79-37D633B846F1}">
-                <asvg:svgBlip xmlns:asvg="http://schemas.microsoft.com/office/drawing/2016/SVG/main" r:embed="rId12"/>
+                <asvg:svgBlip xmlns:asvg="http://schemas.microsoft.com/office/drawing/2016/SVG/main" r:embed="rId10"/>
               </a:ext>
             </a:extLst>
           </a:blip>
@@ -7692,7 +7716,7 @@
         </p:blipFill>
         <p:spPr>
           <a:xfrm>
-            <a:off x="118800" y="3045600"/>
+            <a:off x="129599" y="3410597"/>
             <a:ext cx="126000" cy="126000"/>
           </a:xfrm>
           <a:prstGeom prst="rect">
@@ -7715,7 +7739,7 @@
           <p:nvPr/>
         </p:nvPicPr>
         <p:blipFill>
-          <a:blip r:embed="rId13">
+          <a:blip r:embed="rId11" cstate="print">
             <a:extLst>
               <a:ext uri="{28A0092B-C50C-407E-A947-70E740481C1C}">
                 <a14:useLocalDpi xmlns:a14="http://schemas.microsoft.com/office/drawing/2010/main" val="0"/>
@@ -7728,7 +7752,7 @@
         </p:blipFill>
         <p:spPr>
           <a:xfrm>
-            <a:off x="129600" y="3204000"/>
+            <a:off x="129599" y="3573744"/>
             <a:ext cx="126000" cy="126000"/>
           </a:xfrm>
           <a:prstGeom prst="rect">
@@ -7751,7 +7775,7 @@
           <p:nvPr/>
         </p:nvPicPr>
         <p:blipFill>
-          <a:blip r:embed="rId14">
+          <a:blip r:embed="rId12" cstate="print">
             <a:extLst>
               <a:ext uri="{28A0092B-C50C-407E-A947-70E740481C1C}">
                 <a14:useLocalDpi xmlns:a14="http://schemas.microsoft.com/office/drawing/2010/main" val="0"/>
@@ -7764,8 +7788,47 @@
         </p:blipFill>
         <p:spPr>
           <a:xfrm>
-            <a:off x="129600" y="3373200"/>
+            <a:off x="129599" y="3729375"/>
             <a:ext cx="126000" cy="126000"/>
+          </a:xfrm>
+          <a:prstGeom prst="rect">
+            <a:avLst/>
+          </a:prstGeom>
+        </p:spPr>
+      </p:pic>
+      <p:pic>
+        <p:nvPicPr>
+          <p:cNvPr id="2" name="Graphic 1" descr="Briefcase with solid fill">
+            <a:extLst>
+              <a:ext uri="{FF2B5EF4-FFF2-40B4-BE49-F238E27FC236}">
+                <a16:creationId xmlns:a16="http://schemas.microsoft.com/office/drawing/2014/main" id="{BEF2D8DF-2D28-A3C8-E303-BD8F1F19D408}"/>
+              </a:ext>
+            </a:extLst>
+          </p:cNvPr>
+          <p:cNvPicPr>
+            <a:picLocks noChangeAspect="1"/>
+          </p:cNvPicPr>
+          <p:nvPr/>
+        </p:nvPicPr>
+        <p:blipFill>
+          <a:blip r:embed="rId13" cstate="print">
+            <a:extLst>
+              <a:ext uri="{28A0092B-C50C-407E-A947-70E740481C1C}">
+                <a14:useLocalDpi xmlns:a14="http://schemas.microsoft.com/office/drawing/2010/main" val="0"/>
+              </a:ext>
+              <a:ext uri="{96DAC541-7B7A-43D3-8B79-37D633B846F1}">
+                <asvg:svgBlip xmlns:asvg="http://schemas.microsoft.com/office/drawing/2016/SVG/main" r:embed="rId14"/>
+              </a:ext>
+            </a:extLst>
+          </a:blip>
+          <a:stretch>
+            <a:fillRect/>
+          </a:stretch>
+        </p:blipFill>
+        <p:spPr>
+          <a:xfrm>
+            <a:off x="112613" y="3066952"/>
+            <a:ext cx="142985" cy="142985"/>
           </a:xfrm>
           <a:prstGeom prst="rect">
             <a:avLst/>
@@ -8337,6 +8400,21 @@
 </file>
 
 <file path=customXml/item1.xml><?xml version="1.0" encoding="utf-8"?>
+<p:properties xmlns:p="http://schemas.microsoft.com/office/2006/metadata/properties" xmlns:xsi="http://www.w3.org/2001/XMLSchema-instance" xmlns:pc="http://schemas.microsoft.com/office/infopath/2007/PartnerControls">
+  <documentManagement/>
+</p:properties>
+</file>
+
+<file path=customXml/item2.xml><?xml version="1.0" encoding="utf-8"?>
+<?mso-contentType ?>
+<FormTemplates xmlns="http://schemas.microsoft.com/sharepoint/v3/contenttype/forms">
+  <Display>DocumentLibraryForm</Display>
+  <Edit>DocumentLibraryForm</Edit>
+  <New>DocumentLibraryForm</New>
+</FormTemplates>
+</file>
+
+<file path=customXml/item3.xml><?xml version="1.0" encoding="utf-8"?>
 <ct:contentTypeSchema xmlns:ct="http://schemas.microsoft.com/office/2006/metadata/contentType" xmlns:ma="http://schemas.microsoft.com/office/2006/metadata/properties/metaAttributes" ct:_="" ma:_="" ma:contentTypeName="Document" ma:contentTypeID="0x010100F6E1E04C178E2143A6623C19AD70E47B" ma:contentTypeVersion="13" ma:contentTypeDescription="Create a new document." ma:contentTypeScope="" ma:versionID="a5f17b146996533e132c736eea7c834f">
   <xsd:schema xmlns:xsd="http://www.w3.org/2001/XMLSchema" xmlns:xs="http://www.w3.org/2001/XMLSchema" xmlns:p="http://schemas.microsoft.com/office/2006/metadata/properties" xmlns:ns3="0e795e1c-5248-4ec1-b601-7a39428f93c4" xmlns:ns4="61a260c3-bd5c-4574-859f-71217fd5614e" targetNamespace="http://schemas.microsoft.com/office/2006/metadata/properties" ma:root="true" ma:fieldsID="c7e0bf19d97be956df1ee331ccfe688e" ns3:_="" ns4:_="">
     <xsd:import namespace="0e795e1c-5248-4ec1-b601-7a39428f93c4"/>
@@ -8559,22 +8637,32 @@
 </ct:contentTypeSchema>
 </file>
 
-<file path=customXml/item2.xml><?xml version="1.0" encoding="utf-8"?>
-<?mso-contentType ?>
-<FormTemplates xmlns="http://schemas.microsoft.com/sharepoint/v3/contenttype/forms">
-  <Display>DocumentLibraryForm</Display>
-  <Edit>DocumentLibraryForm</Edit>
-  <New>DocumentLibraryForm</New>
-</FormTemplates>
+<file path=customXml/itemProps1.xml><?xml version="1.0" encoding="utf-8"?>
+<ds:datastoreItem xmlns:ds="http://schemas.openxmlformats.org/officeDocument/2006/customXml" ds:itemID="{2F0F61E3-5C23-48AC-9594-BEAE0C0DD15E}">
+  <ds:schemaRefs>
+    <ds:schemaRef ds:uri="http://schemas.openxmlformats.org/package/2006/metadata/core-properties"/>
+    <ds:schemaRef ds:uri="0e795e1c-5248-4ec1-b601-7a39428f93c4"/>
+    <ds:schemaRef ds:uri="http://purl.org/dc/terms/"/>
+    <ds:schemaRef ds:uri="61a260c3-bd5c-4574-859f-71217fd5614e"/>
+    <ds:schemaRef ds:uri="http://schemas.microsoft.com/office/2006/metadata/properties"/>
+    <ds:schemaRef ds:uri="http://www.w3.org/XML/1998/namespace"/>
+    <ds:schemaRef ds:uri="http://schemas.microsoft.com/office/2006/documentManagement/types"/>
+    <ds:schemaRef ds:uri="http://purl.org/dc/elements/1.1/"/>
+    <ds:schemaRef ds:uri="http://schemas.microsoft.com/office/infopath/2007/PartnerControls"/>
+    <ds:schemaRef ds:uri="http://purl.org/dc/dcmitype/"/>
+  </ds:schemaRefs>
+</ds:datastoreItem>
 </file>
 
-<file path=customXml/item3.xml><?xml version="1.0" encoding="utf-8"?>
-<p:properties xmlns:p="http://schemas.microsoft.com/office/2006/metadata/properties" xmlns:xsi="http://www.w3.org/2001/XMLSchema-instance" xmlns:pc="http://schemas.microsoft.com/office/infopath/2007/PartnerControls">
-  <documentManagement/>
-</p:properties>
+<file path=customXml/itemProps2.xml><?xml version="1.0" encoding="utf-8"?>
+<ds:datastoreItem xmlns:ds="http://schemas.openxmlformats.org/officeDocument/2006/customXml" ds:itemID="{3618EDEA-DC0F-4651-B197-04444F9D32AB}">
+  <ds:schemaRefs>
+    <ds:schemaRef ds:uri="http://schemas.microsoft.com/sharepoint/v3/contenttype/forms"/>
+  </ds:schemaRefs>
+</ds:datastoreItem>
 </file>
 
-<file path=customXml/itemProps1.xml><?xml version="1.0" encoding="utf-8"?>
+<file path=customXml/itemProps3.xml><?xml version="1.0" encoding="utf-8"?>
 <ds:datastoreItem xmlns:ds="http://schemas.openxmlformats.org/officeDocument/2006/customXml" ds:itemID="{5BD844EB-9293-4C3D-9DBA-8A2E9F756707}">
   <ds:schemaRefs>
     <ds:schemaRef ds:uri="http://schemas.microsoft.com/office/2006/metadata/contentType"/>
@@ -8591,29 +8679,4 @@
     <ds:schemaRef ds:uri="http://schemas.microsoft.com/internal/obd"/>
   </ds:schemaRefs>
 </ds:datastoreItem>
-</file>
-
-<file path=customXml/itemProps2.xml><?xml version="1.0" encoding="utf-8"?>
-<ds:datastoreItem xmlns:ds="http://schemas.openxmlformats.org/officeDocument/2006/customXml" ds:itemID="{3618EDEA-DC0F-4651-B197-04444F9D32AB}">
-  <ds:schemaRefs>
-    <ds:schemaRef ds:uri="http://schemas.microsoft.com/sharepoint/v3/contenttype/forms"/>
-  </ds:schemaRefs>
-</ds:datastoreItem>
-</file>
-
-<file path=customXml/itemProps3.xml><?xml version="1.0" encoding="utf-8"?>
-<ds:datastoreItem xmlns:ds="http://schemas.openxmlformats.org/officeDocument/2006/customXml" ds:itemID="{2F0F61E3-5C23-48AC-9594-BEAE0C0DD15E}">
-  <ds:schemaRefs>
-    <ds:schemaRef ds:uri="http://schemas.microsoft.com/office/infopath/2007/PartnerControls"/>
-    <ds:schemaRef ds:uri="http://schemas.microsoft.com/office/2006/documentManagement/types"/>
-    <ds:schemaRef ds:uri="http://purl.org/dc/elements/1.1/"/>
-    <ds:schemaRef ds:uri="http://schemas.microsoft.com/office/2006/metadata/properties"/>
-    <ds:schemaRef ds:uri="http://schemas.openxmlformats.org/package/2006/metadata/core-properties"/>
-    <ds:schemaRef ds:uri="61a260c3-bd5c-4574-859f-71217fd5614e"/>
-    <ds:schemaRef ds:uri="http://purl.org/dc/terms/"/>
-    <ds:schemaRef ds:uri="0e795e1c-5248-4ec1-b601-7a39428f93c4"/>
-    <ds:schemaRef ds:uri="http://www.w3.org/XML/1998/namespace"/>
-    <ds:schemaRef ds:uri="http://purl.org/dc/dcmitype/"/>
-  </ds:schemaRefs>
-</ds:datastoreItem>
 </file>
--- a/Rishabh Tripathi Associate Consultant KPMG - v5 - Lighthouse.pptx
+++ b/Rishabh Tripathi Associate Consultant KPMG - v5 - Lighthouse.pptx
@@ -5788,7 +5788,7 @@
               <a:rPr lang="en-US" sz="1000" dirty="0">
                 <a:cs typeface="Times New Roman" panose="02020603050405020304" pitchFamily="18" charset="0"/>
               </a:rPr>
-              <a:t>Rishabh is a data analyst with more than 2.5 years of experience in Data Analytics enabled digital transformation to analyze and creatively interpret data to provide organizations with effective solutions and assist with decision making. He had the opportunity to work with clients from diverse sectors, including Manufacturing, Healthcare, Telecom, Banking, and Retail. His expertise lies in utilizing technologies such as Python and SQL databases like MySQL, Postgres, and ClickhouseDB, as well as visualization tools like PowerBI and Apache Superset. </a:t>
+              <a:t>Rishabh is a data analyst since July 2021 with more than 2.5 years of experience in Data Analytics enabled digital transformation to analyze and creatively interpret data to provide organizations with effective solutions and assist with decision making. He had the opportunity to work with clients from diverse sectors, including Manufacturing, Healthcare, Telecom, Banking, and Retail. His expertise lies in utilizing technologies such as Python and SQL databases like MySQL, Postgres, and ClickhouseDB, as well as visualization tools like PowerBI and Apache Superset. </a:t>
             </a:r>
           </a:p>
           <a:p>
@@ -6770,7 +6770,7 @@
         <p:spPr>
           <a:xfrm>
             <a:off x="53665" y="2484120"/>
-            <a:ext cx="1683689" cy="7330440"/>
+            <a:ext cx="1683689" cy="8260080"/>
           </a:xfrm>
           <a:prstGeom prst="rect">
             <a:avLst/>
@@ -7038,6 +7038,9 @@
           </a:p>
           <a:p>
             <a:pPr marL="171453" indent="-171453" defTabSz="844094">
+              <a:spcAft>
+                <a:spcPts val="200"/>
+              </a:spcAft>
               <a:buFont typeface="Arial" panose="020B0604020202020204" pitchFamily="34" charset="0"/>
               <a:buChar char="•"/>
               <a:tabLst>
@@ -7058,6 +7061,9 @@
           </a:p>
           <a:p>
             <a:pPr marL="171453" indent="-171453" defTabSz="844094">
+              <a:spcAft>
+                <a:spcPts val="200"/>
+              </a:spcAft>
               <a:buFont typeface="Arial" panose="020B0604020202020204" pitchFamily="34" charset="0"/>
               <a:buChar char="•"/>
               <a:tabLst>
@@ -7078,6 +7084,9 @@
           </a:p>
           <a:p>
             <a:pPr marL="171453" indent="-171453" defTabSz="844094">
+              <a:spcAft>
+                <a:spcPts val="200"/>
+              </a:spcAft>
               <a:buFont typeface="Arial" panose="020B0604020202020204" pitchFamily="34" charset="0"/>
               <a:buChar char="•"/>
               <a:tabLst>
@@ -7128,6 +7137,9 @@
           </a:p>
           <a:p>
             <a:pPr marL="171453" indent="-171453" defTabSz="844094">
+              <a:spcAft>
+                <a:spcPts val="200"/>
+              </a:spcAft>
               <a:buFont typeface="Arial" panose="020B0604020202020204" pitchFamily="34" charset="0"/>
               <a:buChar char="•"/>
               <a:tabLst>
@@ -7168,6 +7180,9 @@
           </a:p>
           <a:p>
             <a:pPr marL="171453" indent="-171453" defTabSz="844094">
+              <a:spcAft>
+                <a:spcPts val="200"/>
+              </a:spcAft>
               <a:buFont typeface="Arial" panose="020B0604020202020204" pitchFamily="34" charset="0"/>
               <a:buChar char="•"/>
               <a:tabLst>
@@ -7188,6 +7203,9 @@
           </a:p>
           <a:p>
             <a:pPr marL="171453" indent="-171453" defTabSz="844094">
+              <a:spcAft>
+                <a:spcPts val="200"/>
+              </a:spcAft>
               <a:buFont typeface="Arial" panose="020B0604020202020204" pitchFamily="34" charset="0"/>
               <a:buChar char="•"/>
               <a:tabLst>
@@ -7208,6 +7226,9 @@
           </a:p>
           <a:p>
             <a:pPr marL="171453" indent="-171453" defTabSz="844094">
+              <a:spcAft>
+                <a:spcPts val="200"/>
+              </a:spcAft>
               <a:buFont typeface="Arial" panose="020B0604020202020204" pitchFamily="34" charset="0"/>
               <a:buChar char="•"/>
               <a:tabLst>
@@ -7228,6 +7249,9 @@
           </a:p>
           <a:p>
             <a:pPr marL="171453" indent="-171453" defTabSz="844094">
+              <a:spcAft>
+                <a:spcPts val="200"/>
+              </a:spcAft>
               <a:buFont typeface="Arial" panose="020B0604020202020204" pitchFamily="34" charset="0"/>
               <a:buChar char="•"/>
               <a:tabLst>
@@ -7283,6 +7307,9 @@
           </a:p>
           <a:p>
             <a:pPr marL="120167" lvl="1" indent="-118702" defTabSz="844094">
+              <a:spcAft>
+                <a:spcPts val="200"/>
+              </a:spcAft>
               <a:buClr>
                 <a:srgbClr val="97989A"/>
               </a:buClr>
@@ -7301,47 +7328,14 @@
                 </a:solidFill>
                 <a:cs typeface="Calibri" panose="020F0502020204030204" pitchFamily="34" charset="0"/>
               </a:rPr>
-              <a:t>Bachelors of Technology  (CS) – Rajiv Gandhi </a:t>
-            </a:r>
-            <a:r>
-              <a:rPr lang="en-US" sz="900" kern="0" dirty="0" err="1">
-                <a:solidFill>
-                  <a:srgbClr val="000000"/>
-                </a:solidFill>
-                <a:cs typeface="Calibri" panose="020F0502020204030204" pitchFamily="34" charset="0"/>
-              </a:rPr>
-              <a:t>Proudyogiki</a:t>
-            </a:r>
-            <a:r>
-              <a:rPr lang="en-US" sz="900" kern="0" dirty="0">
-                <a:solidFill>
-                  <a:srgbClr val="000000"/>
-                </a:solidFill>
-                <a:cs typeface="Calibri" panose="020F0502020204030204" pitchFamily="34" charset="0"/>
-              </a:rPr>
-              <a:t> </a:t>
-            </a:r>
-            <a:r>
-              <a:rPr lang="en-US" sz="900" kern="0" dirty="0" err="1">
-                <a:solidFill>
-                  <a:srgbClr val="000000"/>
-                </a:solidFill>
-                <a:cs typeface="Calibri" panose="020F0502020204030204" pitchFamily="34" charset="0"/>
-              </a:rPr>
-              <a:t>Vishwavidyalya</a:t>
-            </a:r>
-            <a:r>
-              <a:rPr lang="en-US" sz="900" kern="0" dirty="0">
-                <a:solidFill>
-                  <a:srgbClr val="000000"/>
-                </a:solidFill>
-                <a:cs typeface="Calibri" panose="020F0502020204030204" pitchFamily="34" charset="0"/>
-              </a:rPr>
-              <a:t> </a:t>
+              <a:t>Bachelors of Technology  (Computer Science)</a:t>
             </a:r>
           </a:p>
           <a:p>
             <a:pPr marL="1465" lvl="1" defTabSz="844094">
+              <a:spcAft>
+                <a:spcPts val="200"/>
+              </a:spcAft>
               <a:buClr>
                 <a:srgbClr val="97989A"/>
               </a:buClr>
@@ -7358,11 +7352,38 @@
                 </a:solidFill>
                 <a:cs typeface="Calibri" panose="020F0502020204030204" pitchFamily="34" charset="0"/>
               </a:rPr>
-              <a:t>    GPA – 8.31</a:t>
+              <a:t>    RGPV Bhopal : 2017-2021 </a:t>
+            </a:r>
+          </a:p>
+          <a:p>
+            <a:pPr marL="1465" lvl="1" defTabSz="844094">
+              <a:spcAft>
+                <a:spcPts val="200"/>
+              </a:spcAft>
+              <a:buClr>
+                <a:srgbClr val="97989A"/>
+              </a:buClr>
+              <a:buSzPct val="80000"/>
+              <a:tabLst>
+                <a:tab pos="274037" algn="l"/>
+              </a:tabLst>
+              <a:defRPr/>
+            </a:pPr>
+            <a:r>
+              <a:rPr lang="en-US" sz="900" kern="0" dirty="0">
+                <a:solidFill>
+                  <a:srgbClr val="000000"/>
+                </a:solidFill>
+                <a:cs typeface="Calibri" panose="020F0502020204030204" pitchFamily="34" charset="0"/>
+              </a:rPr>
+              <a:t>    GPA : 8.31</a:t>
             </a:r>
           </a:p>
           <a:p>
             <a:pPr marL="120167" lvl="1" indent="-118702" defTabSz="844094">
+              <a:spcAft>
+                <a:spcPts val="200"/>
+              </a:spcAft>
               <a:buClr>
                 <a:srgbClr val="97989A"/>
               </a:buClr>
@@ -7422,6 +7443,9 @@
           </a:p>
           <a:p>
             <a:pPr marL="120167" lvl="1" indent="-118702" defTabSz="844094">
+              <a:spcAft>
+                <a:spcPts val="200"/>
+              </a:spcAft>
               <a:buClr>
                 <a:srgbClr val="97989A"/>
               </a:buClr>
@@ -7442,6 +7466,9 @@
           </a:p>
           <a:p>
             <a:pPr marL="120167" lvl="1" indent="-118702" defTabSz="844094">
+              <a:spcAft>
+                <a:spcPts val="200"/>
+              </a:spcAft>
               <a:buClr>
                 <a:srgbClr val="97989A"/>
               </a:buClr>
@@ -7471,6 +7498,9 @@
           </a:p>
           <a:p>
             <a:pPr marL="120167" lvl="1" indent="-118702" defTabSz="844094">
+              <a:spcAft>
+                <a:spcPts val="200"/>
+              </a:spcAft>
               <a:buClr>
                 <a:srgbClr val="97989A"/>
               </a:buClr>
@@ -7522,6 +7552,9 @@
           </a:p>
           <a:p>
             <a:pPr marL="120167" lvl="1" indent="-118702" defTabSz="844094">
+              <a:spcAft>
+                <a:spcPts val="200"/>
+              </a:spcAft>
               <a:buClr>
                 <a:srgbClr val="97989A"/>
               </a:buClr>
@@ -7545,6 +7578,9 @@
           </a:p>
           <a:p>
             <a:pPr marL="120167" lvl="1" indent="-118702" defTabSz="844094">
+              <a:spcAft>
+                <a:spcPts val="200"/>
+              </a:spcAft>
               <a:buClr>
                 <a:srgbClr val="97989A"/>
               </a:buClr>
@@ -7568,6 +7604,9 @@
           </a:p>
           <a:p>
             <a:pPr marL="120167" lvl="1" indent="-118702" defTabSz="844094">
+              <a:spcAft>
+                <a:spcPts val="200"/>
+              </a:spcAft>
               <a:buClr>
                 <a:srgbClr val="97989A"/>
               </a:buClr>
@@ -8400,21 +8439,6 @@
 </file>
 
 <file path=customXml/item1.xml><?xml version="1.0" encoding="utf-8"?>
-<p:properties xmlns:p="http://schemas.microsoft.com/office/2006/metadata/properties" xmlns:xsi="http://www.w3.org/2001/XMLSchema-instance" xmlns:pc="http://schemas.microsoft.com/office/infopath/2007/PartnerControls">
-  <documentManagement/>
-</p:properties>
-</file>
-
-<file path=customXml/item2.xml><?xml version="1.0" encoding="utf-8"?>
-<?mso-contentType ?>
-<FormTemplates xmlns="http://schemas.microsoft.com/sharepoint/v3/contenttype/forms">
-  <Display>DocumentLibraryForm</Display>
-  <Edit>DocumentLibraryForm</Edit>
-  <New>DocumentLibraryForm</New>
-</FormTemplates>
-</file>
-
-<file path=customXml/item3.xml><?xml version="1.0" encoding="utf-8"?>
 <ct:contentTypeSchema xmlns:ct="http://schemas.microsoft.com/office/2006/metadata/contentType" xmlns:ma="http://schemas.microsoft.com/office/2006/metadata/properties/metaAttributes" ct:_="" ma:_="" ma:contentTypeName="Document" ma:contentTypeID="0x010100F6E1E04C178E2143A6623C19AD70E47B" ma:contentTypeVersion="13" ma:contentTypeDescription="Create a new document." ma:contentTypeScope="" ma:versionID="a5f17b146996533e132c736eea7c834f">
   <xsd:schema xmlns:xsd="http://www.w3.org/2001/XMLSchema" xmlns:xs="http://www.w3.org/2001/XMLSchema" xmlns:p="http://schemas.microsoft.com/office/2006/metadata/properties" xmlns:ns3="0e795e1c-5248-4ec1-b601-7a39428f93c4" xmlns:ns4="61a260c3-bd5c-4574-859f-71217fd5614e" targetNamespace="http://schemas.microsoft.com/office/2006/metadata/properties" ma:root="true" ma:fieldsID="c7e0bf19d97be956df1ee331ccfe688e" ns3:_="" ns4:_="">
     <xsd:import namespace="0e795e1c-5248-4ec1-b601-7a39428f93c4"/>
@@ -8637,32 +8661,22 @@
 </ct:contentTypeSchema>
 </file>
 
-<file path=customXml/itemProps1.xml><?xml version="1.0" encoding="utf-8"?>
-<ds:datastoreItem xmlns:ds="http://schemas.openxmlformats.org/officeDocument/2006/customXml" ds:itemID="{2F0F61E3-5C23-48AC-9594-BEAE0C0DD15E}">
-  <ds:schemaRefs>
-    <ds:schemaRef ds:uri="http://schemas.openxmlformats.org/package/2006/metadata/core-properties"/>
-    <ds:schemaRef ds:uri="0e795e1c-5248-4ec1-b601-7a39428f93c4"/>
-    <ds:schemaRef ds:uri="http://purl.org/dc/terms/"/>
-    <ds:schemaRef ds:uri="61a260c3-bd5c-4574-859f-71217fd5614e"/>
-    <ds:schemaRef ds:uri="http://schemas.microsoft.com/office/2006/metadata/properties"/>
-    <ds:schemaRef ds:uri="http://www.w3.org/XML/1998/namespace"/>
-    <ds:schemaRef ds:uri="http://schemas.microsoft.com/office/2006/documentManagement/types"/>
-    <ds:schemaRef ds:uri="http://purl.org/dc/elements/1.1/"/>
-    <ds:schemaRef ds:uri="http://schemas.microsoft.com/office/infopath/2007/PartnerControls"/>
-    <ds:schemaRef ds:uri="http://purl.org/dc/dcmitype/"/>
-  </ds:schemaRefs>
-</ds:datastoreItem>
+<file path=customXml/item2.xml><?xml version="1.0" encoding="utf-8"?>
+<?mso-contentType ?>
+<FormTemplates xmlns="http://schemas.microsoft.com/sharepoint/v3/contenttype/forms">
+  <Display>DocumentLibraryForm</Display>
+  <Edit>DocumentLibraryForm</Edit>
+  <New>DocumentLibraryForm</New>
+</FormTemplates>
 </file>
 
-<file path=customXml/itemProps2.xml><?xml version="1.0" encoding="utf-8"?>
-<ds:datastoreItem xmlns:ds="http://schemas.openxmlformats.org/officeDocument/2006/customXml" ds:itemID="{3618EDEA-DC0F-4651-B197-04444F9D32AB}">
-  <ds:schemaRefs>
-    <ds:schemaRef ds:uri="http://schemas.microsoft.com/sharepoint/v3/contenttype/forms"/>
-  </ds:schemaRefs>
-</ds:datastoreItem>
+<file path=customXml/item3.xml><?xml version="1.0" encoding="utf-8"?>
+<p:properties xmlns:p="http://schemas.microsoft.com/office/2006/metadata/properties" xmlns:xsi="http://www.w3.org/2001/XMLSchema-instance" xmlns:pc="http://schemas.microsoft.com/office/infopath/2007/PartnerControls">
+  <documentManagement/>
+</p:properties>
 </file>
 
-<file path=customXml/itemProps3.xml><?xml version="1.0" encoding="utf-8"?>
+<file path=customXml/itemProps1.xml><?xml version="1.0" encoding="utf-8"?>
 <ds:datastoreItem xmlns:ds="http://schemas.openxmlformats.org/officeDocument/2006/customXml" ds:itemID="{5BD844EB-9293-4C3D-9DBA-8A2E9F756707}">
   <ds:schemaRefs>
     <ds:schemaRef ds:uri="http://schemas.microsoft.com/office/2006/metadata/contentType"/>
@@ -8679,4 +8693,29 @@
     <ds:schemaRef ds:uri="http://schemas.microsoft.com/internal/obd"/>
   </ds:schemaRefs>
 </ds:datastoreItem>
+</file>
+
+<file path=customXml/itemProps2.xml><?xml version="1.0" encoding="utf-8"?>
+<ds:datastoreItem xmlns:ds="http://schemas.openxmlformats.org/officeDocument/2006/customXml" ds:itemID="{3618EDEA-DC0F-4651-B197-04444F9D32AB}">
+  <ds:schemaRefs>
+    <ds:schemaRef ds:uri="http://schemas.microsoft.com/sharepoint/v3/contenttype/forms"/>
+  </ds:schemaRefs>
+</ds:datastoreItem>
+</file>
+
+<file path=customXml/itemProps3.xml><?xml version="1.0" encoding="utf-8"?>
+<ds:datastoreItem xmlns:ds="http://schemas.openxmlformats.org/officeDocument/2006/customXml" ds:itemID="{2F0F61E3-5C23-48AC-9594-BEAE0C0DD15E}">
+  <ds:schemaRefs>
+    <ds:schemaRef ds:uri="0e795e1c-5248-4ec1-b601-7a39428f93c4"/>
+    <ds:schemaRef ds:uri="http://schemas.microsoft.com/office/2006/documentManagement/types"/>
+    <ds:schemaRef ds:uri="http://www.w3.org/XML/1998/namespace"/>
+    <ds:schemaRef ds:uri="http://purl.org/dc/dcmitype/"/>
+    <ds:schemaRef ds:uri="http://purl.org/dc/elements/1.1/"/>
+    <ds:schemaRef ds:uri="http://schemas.microsoft.com/office/2006/metadata/properties"/>
+    <ds:schemaRef ds:uri="http://purl.org/dc/terms/"/>
+    <ds:schemaRef ds:uri="http://schemas.microsoft.com/office/infopath/2007/PartnerControls"/>
+    <ds:schemaRef ds:uri="http://schemas.openxmlformats.org/package/2006/metadata/core-properties"/>
+    <ds:schemaRef ds:uri="61a260c3-bd5c-4574-859f-71217fd5614e"/>
+  </ds:schemaRefs>
+</ds:datastoreItem>
 </file>
--- a/Rishabh Tripathi Associate Consultant KPMG - v5 - Lighthouse.pptx
+++ b/Rishabh Tripathi Associate Consultant KPMG - v5 - Lighthouse.pptx
@@ -5788,11 +5788,11 @@
               <a:rPr lang="en-US" sz="1000" dirty="0">
                 <a:cs typeface="Times New Roman" panose="02020603050405020304" pitchFamily="18" charset="0"/>
               </a:rPr>
-              <a:t>Rishabh is a data analyst since July 2021 with more than 2.5 years of experience in Data Analytics enabled digital transformation to analyze and creatively interpret data to provide organizations with effective solutions and assist with decision making. He had the opportunity to work with clients from diverse sectors, including Manufacturing, Healthcare, Telecom, Banking, and Retail. His expertise lies in utilizing technologies such as Python and SQL databases like MySQL, Postgres, and ClickhouseDB, as well as visualization tools like PowerBI and Apache Superset. </a:t>
-            </a:r>
-          </a:p>
-          <a:p>
-            <a:pPr marL="0" lvl="2" indent="0" algn="just" defTabSz="378744">
+              <a:t>Rishabh is a data analyst with KPMG’s Digital Solutions team. Having experience of 2.5 years in Data Analytics enabled digital transformation to analyze and creatively interpret data to provide organizations with effective solutions and assist with decision making. He had the opportunity to work with clients from diverse sectors, including Manufacturing, Healthcare, Telecom, Banking and Retail. His expertise lies in utilizing technologies such as Python and SQL databases like MySQL, Postgres, and ClickhouseDB and visualization tools like PowerBI and Apache Superset. </a:t>
+            </a:r>
+          </a:p>
+          <a:p>
+            <a:pPr marL="2870200" lvl="2" indent="-2870200" algn="just" defTabSz="378744">
               <a:spcBef>
                 <a:spcPts val="0"/>
               </a:spcBef>
@@ -5810,7 +5810,7 @@
                 </a:solidFill>
                 <a:cs typeface="Times New Roman" panose="02020603050405020304" pitchFamily="18" charset="0"/>
               </a:rPr>
-              <a:t>Professional Experience</a:t>
+              <a:t>Professional Experience	KPMG (July 2021-Present)</a:t>
             </a:r>
           </a:p>
           <a:p>
@@ -6808,20 +6808,6 @@
                 <a:cs typeface="Calibri" panose="020F0502020204030204" pitchFamily="34" charset="0"/>
               </a:rPr>
               <a:t>KPMG - Digital Solutions</a:t>
-            </a:r>
-          </a:p>
-          <a:p>
-            <a:pPr marL="11723" defTabSz="844094">
-              <a:defRPr/>
-            </a:pPr>
-            <a:r>
-              <a:rPr lang="en-US" sz="800" b="1" kern="0" dirty="0">
-                <a:solidFill>
-                  <a:srgbClr val="0C2D83"/>
-                </a:solidFill>
-                <a:cs typeface="Calibri" panose="020F0502020204030204" pitchFamily="34" charset="0"/>
-              </a:rPr>
-              <a:t>July 2021 – Present</a:t>
             </a:r>
           </a:p>
           <a:p>
@@ -7716,7 +7702,7 @@
         </p:blipFill>
         <p:spPr>
           <a:xfrm>
-            <a:off x="111599" y="3247084"/>
+            <a:off x="116842" y="3123259"/>
             <a:ext cx="144000" cy="108000"/>
           </a:xfrm>
           <a:prstGeom prst="rect">
@@ -7755,7 +7741,7 @@
         </p:blipFill>
         <p:spPr>
           <a:xfrm>
-            <a:off x="129599" y="3410597"/>
+            <a:off x="134842" y="3286772"/>
             <a:ext cx="126000" cy="126000"/>
           </a:xfrm>
           <a:prstGeom prst="rect">
@@ -7791,7 +7777,7 @@
         </p:blipFill>
         <p:spPr>
           <a:xfrm>
-            <a:off x="129599" y="3573744"/>
+            <a:off x="129599" y="3456927"/>
             <a:ext cx="126000" cy="126000"/>
           </a:xfrm>
           <a:prstGeom prst="rect">
@@ -7827,7 +7813,7 @@
         </p:blipFill>
         <p:spPr>
           <a:xfrm>
-            <a:off x="129599" y="3729375"/>
+            <a:off x="129599" y="3627082"/>
             <a:ext cx="126000" cy="126000"/>
           </a:xfrm>
           <a:prstGeom prst="rect">
@@ -7866,7 +7852,7 @@
         </p:blipFill>
         <p:spPr>
           <a:xfrm>
-            <a:off x="112613" y="3066952"/>
+            <a:off x="117856" y="2943127"/>
             <a:ext cx="142985" cy="142985"/>
           </a:xfrm>
           <a:prstGeom prst="rect">
@@ -8439,6 +8425,21 @@
 </file>
 
 <file path=customXml/item1.xml><?xml version="1.0" encoding="utf-8"?>
+<p:properties xmlns:p="http://schemas.microsoft.com/office/2006/metadata/properties" xmlns:xsi="http://www.w3.org/2001/XMLSchema-instance" xmlns:pc="http://schemas.microsoft.com/office/infopath/2007/PartnerControls">
+  <documentManagement/>
+</p:properties>
+</file>
+
+<file path=customXml/item2.xml><?xml version="1.0" encoding="utf-8"?>
+<?mso-contentType ?>
+<FormTemplates xmlns="http://schemas.microsoft.com/sharepoint/v3/contenttype/forms">
+  <Display>DocumentLibraryForm</Display>
+  <Edit>DocumentLibraryForm</Edit>
+  <New>DocumentLibraryForm</New>
+</FormTemplates>
+</file>
+
+<file path=customXml/item3.xml><?xml version="1.0" encoding="utf-8"?>
 <ct:contentTypeSchema xmlns:ct="http://schemas.microsoft.com/office/2006/metadata/contentType" xmlns:ma="http://schemas.microsoft.com/office/2006/metadata/properties/metaAttributes" ct:_="" ma:_="" ma:contentTypeName="Document" ma:contentTypeID="0x010100F6E1E04C178E2143A6623C19AD70E47B" ma:contentTypeVersion="13" ma:contentTypeDescription="Create a new document." ma:contentTypeScope="" ma:versionID="a5f17b146996533e132c736eea7c834f">
   <xsd:schema xmlns:xsd="http://www.w3.org/2001/XMLSchema" xmlns:xs="http://www.w3.org/2001/XMLSchema" xmlns:p="http://schemas.microsoft.com/office/2006/metadata/properties" xmlns:ns3="0e795e1c-5248-4ec1-b601-7a39428f93c4" xmlns:ns4="61a260c3-bd5c-4574-859f-71217fd5614e" targetNamespace="http://schemas.microsoft.com/office/2006/metadata/properties" ma:root="true" ma:fieldsID="c7e0bf19d97be956df1ee331ccfe688e" ns3:_="" ns4:_="">
     <xsd:import namespace="0e795e1c-5248-4ec1-b601-7a39428f93c4"/>
@@ -8661,22 +8662,32 @@
 </ct:contentTypeSchema>
 </file>
 
-<file path=customXml/item2.xml><?xml version="1.0" encoding="utf-8"?>
-<?mso-contentType ?>
-<FormTemplates xmlns="http://schemas.microsoft.com/sharepoint/v3/contenttype/forms">
-  <Display>DocumentLibraryForm</Display>
-  <Edit>DocumentLibraryForm</Edit>
-  <New>DocumentLibraryForm</New>
-</FormTemplates>
+<file path=customXml/itemProps1.xml><?xml version="1.0" encoding="utf-8"?>
+<ds:datastoreItem xmlns:ds="http://schemas.openxmlformats.org/officeDocument/2006/customXml" ds:itemID="{2F0F61E3-5C23-48AC-9594-BEAE0C0DD15E}">
+  <ds:schemaRefs>
+    <ds:schemaRef ds:uri="0e795e1c-5248-4ec1-b601-7a39428f93c4"/>
+    <ds:schemaRef ds:uri="http://schemas.microsoft.com/office/2006/documentManagement/types"/>
+    <ds:schemaRef ds:uri="http://www.w3.org/XML/1998/namespace"/>
+    <ds:schemaRef ds:uri="http://purl.org/dc/dcmitype/"/>
+    <ds:schemaRef ds:uri="http://purl.org/dc/elements/1.1/"/>
+    <ds:schemaRef ds:uri="http://schemas.microsoft.com/office/2006/metadata/properties"/>
+    <ds:schemaRef ds:uri="http://purl.org/dc/terms/"/>
+    <ds:schemaRef ds:uri="http://schemas.microsoft.com/office/infopath/2007/PartnerControls"/>
+    <ds:schemaRef ds:uri="http://schemas.openxmlformats.org/package/2006/metadata/core-properties"/>
+    <ds:schemaRef ds:uri="61a260c3-bd5c-4574-859f-71217fd5614e"/>
+  </ds:schemaRefs>
+</ds:datastoreItem>
 </file>
 
-<file path=customXml/item3.xml><?xml version="1.0" encoding="utf-8"?>
-<p:properties xmlns:p="http://schemas.microsoft.com/office/2006/metadata/properties" xmlns:xsi="http://www.w3.org/2001/XMLSchema-instance" xmlns:pc="http://schemas.microsoft.com/office/infopath/2007/PartnerControls">
-  <documentManagement/>
-</p:properties>
+<file path=customXml/itemProps2.xml><?xml version="1.0" encoding="utf-8"?>
+<ds:datastoreItem xmlns:ds="http://schemas.openxmlformats.org/officeDocument/2006/customXml" ds:itemID="{3618EDEA-DC0F-4651-B197-04444F9D32AB}">
+  <ds:schemaRefs>
+    <ds:schemaRef ds:uri="http://schemas.microsoft.com/sharepoint/v3/contenttype/forms"/>
+  </ds:schemaRefs>
+</ds:datastoreItem>
 </file>
 
-<file path=customXml/itemProps1.xml><?xml version="1.0" encoding="utf-8"?>
+<file path=customXml/itemProps3.xml><?xml version="1.0" encoding="utf-8"?>
 <ds:datastoreItem xmlns:ds="http://schemas.openxmlformats.org/officeDocument/2006/customXml" ds:itemID="{5BD844EB-9293-4C3D-9DBA-8A2E9F756707}">
   <ds:schemaRefs>
     <ds:schemaRef ds:uri="http://schemas.microsoft.com/office/2006/metadata/contentType"/>
@@ -8693,29 +8704,4 @@
     <ds:schemaRef ds:uri="http://schemas.microsoft.com/internal/obd"/>
   </ds:schemaRefs>
 </ds:datastoreItem>
-</file>
-
-<file path=customXml/itemProps2.xml><?xml version="1.0" encoding="utf-8"?>
-<ds:datastoreItem xmlns:ds="http://schemas.openxmlformats.org/officeDocument/2006/customXml" ds:itemID="{3618EDEA-DC0F-4651-B197-04444F9D32AB}">
-  <ds:schemaRefs>
-    <ds:schemaRef ds:uri="http://schemas.microsoft.com/sharepoint/v3/contenttype/forms"/>
-  </ds:schemaRefs>
-</ds:datastoreItem>
-</file>
-
-<file path=customXml/itemProps3.xml><?xml version="1.0" encoding="utf-8"?>
-<ds:datastoreItem xmlns:ds="http://schemas.openxmlformats.org/officeDocument/2006/customXml" ds:itemID="{2F0F61E3-5C23-48AC-9594-BEAE0C0DD15E}">
-  <ds:schemaRefs>
-    <ds:schemaRef ds:uri="0e795e1c-5248-4ec1-b601-7a39428f93c4"/>
-    <ds:schemaRef ds:uri="http://schemas.microsoft.com/office/2006/documentManagement/types"/>
-    <ds:schemaRef ds:uri="http://www.w3.org/XML/1998/namespace"/>
-    <ds:schemaRef ds:uri="http://purl.org/dc/dcmitype/"/>
-    <ds:schemaRef ds:uri="http://purl.org/dc/elements/1.1/"/>
-    <ds:schemaRef ds:uri="http://schemas.microsoft.com/office/2006/metadata/properties"/>
-    <ds:schemaRef ds:uri="http://purl.org/dc/terms/"/>
-    <ds:schemaRef ds:uri="http://schemas.microsoft.com/office/infopath/2007/PartnerControls"/>
-    <ds:schemaRef ds:uri="http://schemas.openxmlformats.org/package/2006/metadata/core-properties"/>
-    <ds:schemaRef ds:uri="61a260c3-bd5c-4574-859f-71217fd5614e"/>
-  </ds:schemaRefs>
-</ds:datastoreItem>
 </file>